--- a/SOLID.pptx
+++ b/SOLID.pptx
@@ -510,6 +510,430 @@
           <a:bodyPr/>
           <a:lstStyle/>
           <a:p>
+            <a:r>
+              <a:rPr lang="en-US" dirty="0" smtClean="0"/>
+              <a:t>Some principles have to do with overcoming issues with the language. Some issues have to do with overcoming with issues</a:t>
+            </a:r>
+            <a:r>
+              <a:rPr lang="en-US" baseline="0" dirty="0" smtClean="0"/>
+              <a:t> on the programmer.</a:t>
+            </a:r>
+          </a:p>
+          <a:p>
+            <a:endParaRPr lang="en-US" baseline="0" dirty="0" smtClean="0"/>
+          </a:p>
+          <a:p>
+            <a:r>
+              <a:rPr lang="en-US" baseline="0" dirty="0" smtClean="0"/>
+              <a:t>Do the apply only to OOP? Short Answer: No Long Answer: </a:t>
+            </a:r>
+            <a:r>
+              <a:rPr lang="en-US" baseline="0" dirty="0" err="1" smtClean="0"/>
+              <a:t>Nooooooooooooooooooooooooo</a:t>
+            </a:r>
+            <a:r>
+              <a:rPr lang="en-US" baseline="0" dirty="0" smtClean="0"/>
+              <a:t> (totally lifted from Zero Punctuation)</a:t>
+            </a:r>
+            <a:endParaRPr lang="en-US" dirty="0"/>
+          </a:p>
+        </p:txBody>
+      </p:sp>
+      <p:sp>
+        <p:nvSpPr>
+          <p:cNvPr id="4" name="Slide Number Placeholder 3"/>
+          <p:cNvSpPr>
+            <a:spLocks noGrp="1"/>
+          </p:cNvSpPr>
+          <p:nvPr>
+            <p:ph type="sldNum" sz="quarter" idx="10"/>
+          </p:nvPr>
+        </p:nvSpPr>
+        <p:spPr/>
+        <p:txBody>
+          <a:bodyPr/>
+          <a:lstStyle/>
+          <a:p>
+            <a:fld id="{11921111-AB98-C44F-8134-24CD22ABD406}" type="slidenum">
+              <a:rPr lang="en-US" smtClean="0"/>
+              <a:t>1</a:t>
+            </a:fld>
+            <a:endParaRPr lang="en-US"/>
+          </a:p>
+        </p:txBody>
+      </p:sp>
+    </p:spTree>
+    <p:extLst>
+      <p:ext uri="{BB962C8B-B14F-4D97-AF65-F5344CB8AC3E}">
+        <p14:creationId xmlns:p14="http://schemas.microsoft.com/office/powerpoint/2010/main" val="1150828295"/>
+      </p:ext>
+    </p:extLst>
+  </p:cSld>
+  <p:clrMapOvr>
+    <a:masterClrMapping/>
+  </p:clrMapOvr>
+</p:notes>
+</file>
+
+<file path=ppt/notesSlides/notesSlide2.xml><?xml version="1.0" encoding="utf-8"?>
+<p:notes xmlns:a="http://schemas.openxmlformats.org/drawingml/2006/main" xmlns:r="http://schemas.openxmlformats.org/officeDocument/2006/relationships" xmlns:p="http://schemas.openxmlformats.org/presentationml/2006/main">
+  <p:cSld>
+    <p:spTree>
+      <p:nvGrpSpPr>
+        <p:cNvPr id="1" name=""/>
+        <p:cNvGrpSpPr/>
+        <p:nvPr/>
+      </p:nvGrpSpPr>
+      <p:grpSpPr>
+        <a:xfrm>
+          <a:off x="0" y="0"/>
+          <a:ext cx="0" cy="0"/>
+          <a:chOff x="0" y="0"/>
+          <a:chExt cx="0" cy="0"/>
+        </a:xfrm>
+      </p:grpSpPr>
+      <p:sp>
+        <p:nvSpPr>
+          <p:cNvPr id="2" name="Slide Image Placeholder 1"/>
+          <p:cNvSpPr>
+            <a:spLocks noGrp="1" noRot="1" noChangeAspect="1"/>
+          </p:cNvSpPr>
+          <p:nvPr>
+            <p:ph type="sldImg"/>
+          </p:nvPr>
+        </p:nvSpPr>
+        <p:spPr/>
+      </p:sp>
+      <p:sp>
+        <p:nvSpPr>
+          <p:cNvPr id="3" name="Notes Placeholder 2"/>
+          <p:cNvSpPr>
+            <a:spLocks noGrp="1"/>
+          </p:cNvSpPr>
+          <p:nvPr>
+            <p:ph type="body" idx="1"/>
+          </p:nvPr>
+        </p:nvSpPr>
+        <p:spPr/>
+        <p:txBody>
+          <a:bodyPr/>
+          <a:lstStyle/>
+          <a:p>
+            <a:r>
+              <a:rPr lang="en-US" dirty="0" smtClean="0"/>
+              <a:t>Each object should have a single reason to change.</a:t>
+            </a:r>
+            <a:r>
+              <a:rPr lang="en-US" baseline="0" dirty="0" smtClean="0"/>
+              <a:t> But what is that reason.</a:t>
+            </a:r>
+          </a:p>
+          <a:p>
+            <a:endParaRPr lang="en-US" baseline="0" dirty="0" smtClean="0"/>
+          </a:p>
+          <a:p>
+            <a:r>
+              <a:rPr lang="en-US" baseline="0" dirty="0" smtClean="0"/>
+              <a:t>VB 6 7000 lines of code in a single method (And around 6000, VB6 forced you to break into two separate methods). I blamed the tooling when I should have </a:t>
+            </a:r>
+            <a:r>
+              <a:rPr lang="en-US" baseline="0" smtClean="0"/>
+              <a:t>blamed myself.</a:t>
+            </a:r>
+            <a:endParaRPr lang="en-US" dirty="0"/>
+          </a:p>
+        </p:txBody>
+      </p:sp>
+      <p:sp>
+        <p:nvSpPr>
+          <p:cNvPr id="4" name="Slide Number Placeholder 3"/>
+          <p:cNvSpPr>
+            <a:spLocks noGrp="1"/>
+          </p:cNvSpPr>
+          <p:nvPr>
+            <p:ph type="sldNum" sz="quarter" idx="10"/>
+          </p:nvPr>
+        </p:nvSpPr>
+        <p:spPr/>
+        <p:txBody>
+          <a:bodyPr/>
+          <a:lstStyle/>
+          <a:p>
+            <a:fld id="{11921111-AB98-C44F-8134-24CD22ABD406}" type="slidenum">
+              <a:rPr lang="en-US" smtClean="0"/>
+              <a:t>2</a:t>
+            </a:fld>
+            <a:endParaRPr lang="en-US"/>
+          </a:p>
+        </p:txBody>
+      </p:sp>
+    </p:spTree>
+    <p:extLst>
+      <p:ext uri="{BB962C8B-B14F-4D97-AF65-F5344CB8AC3E}">
+        <p14:creationId xmlns:p14="http://schemas.microsoft.com/office/powerpoint/2010/main" val="1742171248"/>
+      </p:ext>
+    </p:extLst>
+  </p:cSld>
+  <p:clrMapOvr>
+    <a:masterClrMapping/>
+  </p:clrMapOvr>
+</p:notes>
+</file>
+
+<file path=ppt/notesSlides/notesSlide3.xml><?xml version="1.0" encoding="utf-8"?>
+<p:notes xmlns:a="http://schemas.openxmlformats.org/drawingml/2006/main" xmlns:r="http://schemas.openxmlformats.org/officeDocument/2006/relationships" xmlns:p="http://schemas.openxmlformats.org/presentationml/2006/main">
+  <p:cSld>
+    <p:spTree>
+      <p:nvGrpSpPr>
+        <p:cNvPr id="1" name=""/>
+        <p:cNvGrpSpPr/>
+        <p:nvPr/>
+      </p:nvGrpSpPr>
+      <p:grpSpPr>
+        <a:xfrm>
+          <a:off x="0" y="0"/>
+          <a:ext cx="0" cy="0"/>
+          <a:chOff x="0" y="0"/>
+          <a:chExt cx="0" cy="0"/>
+        </a:xfrm>
+      </p:grpSpPr>
+      <p:sp>
+        <p:nvSpPr>
+          <p:cNvPr id="2" name="Slide Image Placeholder 1"/>
+          <p:cNvSpPr>
+            <a:spLocks noGrp="1" noRot="1" noChangeAspect="1"/>
+          </p:cNvSpPr>
+          <p:nvPr>
+            <p:ph type="sldImg"/>
+          </p:nvPr>
+        </p:nvSpPr>
+        <p:spPr/>
+      </p:sp>
+      <p:sp>
+        <p:nvSpPr>
+          <p:cNvPr id="3" name="Notes Placeholder 2"/>
+          <p:cNvSpPr>
+            <a:spLocks noGrp="1"/>
+          </p:cNvSpPr>
+          <p:nvPr>
+            <p:ph type="body" idx="1"/>
+          </p:nvPr>
+        </p:nvSpPr>
+        <p:spPr/>
+        <p:txBody>
+          <a:bodyPr/>
+          <a:lstStyle/>
+          <a:p>
+            <a:r>
+              <a:rPr lang="en-US" dirty="0" smtClean="0"/>
+              <a:t>Closed for modifications, but open for extension.</a:t>
+            </a:r>
+            <a:endParaRPr lang="en-US" dirty="0"/>
+          </a:p>
+        </p:txBody>
+      </p:sp>
+      <p:sp>
+        <p:nvSpPr>
+          <p:cNvPr id="4" name="Slide Number Placeholder 3"/>
+          <p:cNvSpPr>
+            <a:spLocks noGrp="1"/>
+          </p:cNvSpPr>
+          <p:nvPr>
+            <p:ph type="sldNum" sz="quarter" idx="10"/>
+          </p:nvPr>
+        </p:nvSpPr>
+        <p:spPr/>
+        <p:txBody>
+          <a:bodyPr/>
+          <a:lstStyle/>
+          <a:p>
+            <a:fld id="{11921111-AB98-C44F-8134-24CD22ABD406}" type="slidenum">
+              <a:rPr lang="en-US" smtClean="0"/>
+              <a:t>3</a:t>
+            </a:fld>
+            <a:endParaRPr lang="en-US"/>
+          </a:p>
+        </p:txBody>
+      </p:sp>
+    </p:spTree>
+    <p:extLst>
+      <p:ext uri="{BB962C8B-B14F-4D97-AF65-F5344CB8AC3E}">
+        <p14:creationId xmlns:p14="http://schemas.microsoft.com/office/powerpoint/2010/main" val="565132866"/>
+      </p:ext>
+    </p:extLst>
+  </p:cSld>
+  <p:clrMapOvr>
+    <a:masterClrMapping/>
+  </p:clrMapOvr>
+</p:notes>
+</file>
+
+<file path=ppt/notesSlides/notesSlide4.xml><?xml version="1.0" encoding="utf-8"?>
+<p:notes xmlns:a="http://schemas.openxmlformats.org/drawingml/2006/main" xmlns:r="http://schemas.openxmlformats.org/officeDocument/2006/relationships" xmlns:p="http://schemas.openxmlformats.org/presentationml/2006/main">
+  <p:cSld>
+    <p:spTree>
+      <p:nvGrpSpPr>
+        <p:cNvPr id="1" name=""/>
+        <p:cNvGrpSpPr/>
+        <p:nvPr/>
+      </p:nvGrpSpPr>
+      <p:grpSpPr>
+        <a:xfrm>
+          <a:off x="0" y="0"/>
+          <a:ext cx="0" cy="0"/>
+          <a:chOff x="0" y="0"/>
+          <a:chExt cx="0" cy="0"/>
+        </a:xfrm>
+      </p:grpSpPr>
+      <p:sp>
+        <p:nvSpPr>
+          <p:cNvPr id="2" name="Slide Image Placeholder 1"/>
+          <p:cNvSpPr>
+            <a:spLocks noGrp="1" noRot="1" noChangeAspect="1"/>
+          </p:cNvSpPr>
+          <p:nvPr>
+            <p:ph type="sldImg"/>
+          </p:nvPr>
+        </p:nvSpPr>
+        <p:spPr/>
+      </p:sp>
+      <p:sp>
+        <p:nvSpPr>
+          <p:cNvPr id="3" name="Notes Placeholder 2"/>
+          <p:cNvSpPr>
+            <a:spLocks noGrp="1"/>
+          </p:cNvSpPr>
+          <p:nvPr>
+            <p:ph type="body" idx="1"/>
+          </p:nvPr>
+        </p:nvSpPr>
+        <p:spPr/>
+        <p:txBody>
+          <a:bodyPr/>
+          <a:lstStyle/>
+          <a:p>
+            <a:r>
+              <a:rPr lang="en-US" dirty="0" smtClean="0"/>
+              <a:t>Where</a:t>
+            </a:r>
+            <a:r>
+              <a:rPr lang="en-US" baseline="0" dirty="0" smtClean="0"/>
+              <a:t> you can use a parent you should be able to use a child. And </a:t>
+            </a:r>
+            <a:r>
+              <a:rPr lang="en-US" baseline="0" dirty="0" err="1" smtClean="0"/>
+              <a:t>viceversa</a:t>
+            </a:r>
+            <a:r>
+              <a:rPr lang="en-US" baseline="0" dirty="0" smtClean="0"/>
+              <a:t>.</a:t>
+            </a:r>
+          </a:p>
+          <a:p>
+            <a:r>
+              <a:rPr lang="en-US" baseline="0" dirty="0" smtClean="0"/>
+              <a:t>C# doesn’t allow you to break this principle, unless you use in/out to achieve full covariance/</a:t>
+            </a:r>
+            <a:r>
+              <a:rPr lang="en-US" baseline="0" dirty="0" err="1" smtClean="0"/>
+              <a:t>contravariance</a:t>
+            </a:r>
+            <a:r>
+              <a:rPr lang="en-US" baseline="0" dirty="0" smtClean="0"/>
+              <a:t> (term to learn)</a:t>
+            </a:r>
+            <a:endParaRPr lang="en-US" dirty="0"/>
+          </a:p>
+        </p:txBody>
+      </p:sp>
+      <p:sp>
+        <p:nvSpPr>
+          <p:cNvPr id="4" name="Slide Number Placeholder 3"/>
+          <p:cNvSpPr>
+            <a:spLocks noGrp="1"/>
+          </p:cNvSpPr>
+          <p:nvPr>
+            <p:ph type="sldNum" sz="quarter" idx="10"/>
+          </p:nvPr>
+        </p:nvSpPr>
+        <p:spPr/>
+        <p:txBody>
+          <a:bodyPr/>
+          <a:lstStyle/>
+          <a:p>
+            <a:fld id="{11921111-AB98-C44F-8134-24CD22ABD406}" type="slidenum">
+              <a:rPr lang="en-US" smtClean="0"/>
+              <a:t>4</a:t>
+            </a:fld>
+            <a:endParaRPr lang="en-US"/>
+          </a:p>
+        </p:txBody>
+      </p:sp>
+    </p:spTree>
+    <p:extLst>
+      <p:ext uri="{BB962C8B-B14F-4D97-AF65-F5344CB8AC3E}">
+        <p14:creationId xmlns:p14="http://schemas.microsoft.com/office/powerpoint/2010/main" val="2991606804"/>
+      </p:ext>
+    </p:extLst>
+  </p:cSld>
+  <p:clrMapOvr>
+    <a:masterClrMapping/>
+  </p:clrMapOvr>
+</p:notes>
+</file>
+
+<file path=ppt/notesSlides/notesSlide5.xml><?xml version="1.0" encoding="utf-8"?>
+<p:notes xmlns:a="http://schemas.openxmlformats.org/drawingml/2006/main" xmlns:r="http://schemas.openxmlformats.org/officeDocument/2006/relationships" xmlns:p="http://schemas.openxmlformats.org/presentationml/2006/main">
+  <p:cSld>
+    <p:spTree>
+      <p:nvGrpSpPr>
+        <p:cNvPr id="1" name=""/>
+        <p:cNvGrpSpPr/>
+        <p:nvPr/>
+      </p:nvGrpSpPr>
+      <p:grpSpPr>
+        <a:xfrm>
+          <a:off x="0" y="0"/>
+          <a:ext cx="0" cy="0"/>
+          <a:chOff x="0" y="0"/>
+          <a:chExt cx="0" cy="0"/>
+        </a:xfrm>
+      </p:grpSpPr>
+      <p:sp>
+        <p:nvSpPr>
+          <p:cNvPr id="2" name="Slide Image Placeholder 1"/>
+          <p:cNvSpPr>
+            <a:spLocks noGrp="1" noRot="1" noChangeAspect="1"/>
+          </p:cNvSpPr>
+          <p:nvPr>
+            <p:ph type="sldImg"/>
+          </p:nvPr>
+        </p:nvSpPr>
+        <p:spPr/>
+      </p:sp>
+      <p:sp>
+        <p:nvSpPr>
+          <p:cNvPr id="3" name="Notes Placeholder 2"/>
+          <p:cNvSpPr>
+            <a:spLocks noGrp="1"/>
+          </p:cNvSpPr>
+          <p:nvPr>
+            <p:ph type="body" idx="1"/>
+          </p:nvPr>
+        </p:nvSpPr>
+        <p:spPr/>
+        <p:txBody>
+          <a:bodyPr/>
+          <a:lstStyle/>
+          <a:p>
+            <a:r>
+              <a:rPr lang="en-US" dirty="0" smtClean="0"/>
+              <a:t>Your</a:t>
+            </a:r>
+            <a:r>
+              <a:rPr lang="en-US" baseline="0" dirty="0" smtClean="0"/>
+              <a:t> interfaces should be specific, representing a single responsibility. Does this only applies to static languages? Dynamic languages have an implicit interface. And this applies to them as well</a:t>
+            </a:r>
             <a:endParaRPr lang="en-US" dirty="0" smtClean="0"/>
           </a:p>
           <a:p>
@@ -518,7 +942,11 @@
           <a:p>
             <a:r>
               <a:rPr lang="en-US" dirty="0" smtClean="0"/>
-              <a:t>First Class Functions</a:t>
+              <a:t>First Class Functions are an easier way to pass the method</a:t>
+            </a:r>
+            <a:r>
+              <a:rPr lang="en-US" baseline="0" dirty="0" smtClean="0"/>
+              <a:t> needed, when you are interested only on a method (Factory method pattern)</a:t>
             </a:r>
             <a:endParaRPr lang="en-US" dirty="0"/>
           </a:p>
@@ -560,7 +988,129 @@
 </p:notes>
 </file>
 
-<file path=ppt/notesSlides/notesSlide2.xml><?xml version="1.0" encoding="utf-8"?>
+<file path=ppt/notesSlides/notesSlide6.xml><?xml version="1.0" encoding="utf-8"?>
+<p:notes xmlns:a="http://schemas.openxmlformats.org/drawingml/2006/main" xmlns:r="http://schemas.openxmlformats.org/officeDocument/2006/relationships" xmlns:p="http://schemas.openxmlformats.org/presentationml/2006/main">
+  <p:cSld>
+    <p:spTree>
+      <p:nvGrpSpPr>
+        <p:cNvPr id="1" name=""/>
+        <p:cNvGrpSpPr/>
+        <p:nvPr/>
+      </p:nvGrpSpPr>
+      <p:grpSpPr>
+        <a:xfrm>
+          <a:off x="0" y="0"/>
+          <a:ext cx="0" cy="0"/>
+          <a:chOff x="0" y="0"/>
+          <a:chExt cx="0" cy="0"/>
+        </a:xfrm>
+      </p:grpSpPr>
+      <p:sp>
+        <p:nvSpPr>
+          <p:cNvPr id="2" name="Slide Image Placeholder 1"/>
+          <p:cNvSpPr>
+            <a:spLocks noGrp="1" noRot="1" noChangeAspect="1"/>
+          </p:cNvSpPr>
+          <p:nvPr>
+            <p:ph type="sldImg"/>
+          </p:nvPr>
+        </p:nvSpPr>
+        <p:spPr/>
+      </p:sp>
+      <p:sp>
+        <p:nvSpPr>
+          <p:cNvPr id="3" name="Notes Placeholder 2"/>
+          <p:cNvSpPr>
+            <a:spLocks noGrp="1"/>
+          </p:cNvSpPr>
+          <p:nvPr>
+            <p:ph type="body" idx="1"/>
+          </p:nvPr>
+        </p:nvSpPr>
+        <p:spPr/>
+        <p:txBody>
+          <a:bodyPr/>
+          <a:lstStyle/>
+          <a:p>
+            <a:r>
+              <a:rPr lang="en-US" dirty="0" smtClean="0"/>
+              <a:t>Higher</a:t>
+            </a:r>
+            <a:r>
+              <a:rPr lang="en-US" baseline="0" dirty="0" smtClean="0"/>
+              <a:t> levels of abstraction should not depend on lower levels implementation.</a:t>
+            </a:r>
+          </a:p>
+          <a:p>
+            <a:endParaRPr lang="en-US" baseline="0" dirty="0" smtClean="0"/>
+          </a:p>
+          <a:p>
+            <a:r>
+              <a:rPr lang="en-US" baseline="0" dirty="0" smtClean="0"/>
+              <a:t>Dependency Injection (objects and functions)</a:t>
+            </a:r>
+          </a:p>
+          <a:p>
+            <a:r>
+              <a:rPr lang="en-US" baseline="0" dirty="0" smtClean="0"/>
+              <a:t>Service Locator</a:t>
+            </a:r>
+          </a:p>
+          <a:p>
+            <a:endParaRPr lang="en-US" baseline="0" dirty="0" smtClean="0"/>
+          </a:p>
+          <a:p>
+            <a:r>
+              <a:rPr lang="en-US" baseline="0" dirty="0" smtClean="0"/>
+              <a:t>alternatives</a:t>
+            </a:r>
+          </a:p>
+          <a:p>
+            <a:r>
+              <a:rPr lang="en-US" baseline="0" dirty="0" smtClean="0"/>
+              <a:t>Monkey Patching!! Python / Ruby</a:t>
+            </a:r>
+            <a:endParaRPr lang="en-US" dirty="0"/>
+          </a:p>
+        </p:txBody>
+      </p:sp>
+      <p:sp>
+        <p:nvSpPr>
+          <p:cNvPr id="4" name="Slide Number Placeholder 3"/>
+          <p:cNvSpPr>
+            <a:spLocks noGrp="1"/>
+          </p:cNvSpPr>
+          <p:nvPr>
+            <p:ph type="sldNum" sz="quarter" idx="10"/>
+          </p:nvPr>
+        </p:nvSpPr>
+        <p:spPr/>
+        <p:txBody>
+          <a:bodyPr/>
+          <a:lstStyle/>
+          <a:p>
+            <a:fld id="{11921111-AB98-C44F-8134-24CD22ABD406}" type="slidenum">
+              <a:rPr lang="en-US" smtClean="0"/>
+              <a:t>6</a:t>
+            </a:fld>
+            <a:endParaRPr lang="en-US"/>
+          </a:p>
+        </p:txBody>
+      </p:sp>
+    </p:spTree>
+    <p:extLst>
+      <p:ext uri="{BB962C8B-B14F-4D97-AF65-F5344CB8AC3E}">
+        <p14:creationId xmlns:p14="http://schemas.microsoft.com/office/powerpoint/2010/main" val="1061787759"/>
+      </p:ext>
+    </p:extLst>
+  </p:cSld>
+  <p:clrMapOvr>
+    <a:masterClrMapping/>
+  </p:clrMapOvr>
+</p:notes>
+</file>
+
+<file path=ppt/notesSlides/notesSlide7.xml><?xml version="1.0" encoding="utf-8"?>
 <p:notes xmlns:a="http://schemas.openxmlformats.org/drawingml/2006/main" xmlns:r="http://schemas.openxmlformats.org/officeDocument/2006/relationships" xmlns:p="http://schemas.openxmlformats.org/presentationml/2006/main">
   <p:cSld>
     <p:spTree>
@@ -4353,19 +4903,7 @@
           <a:p>
             <a:r>
               <a:rPr lang="en-US" dirty="0" smtClean="0"/>
-              <a:t>Adventures on </a:t>
-            </a:r>
-            <a:r>
-              <a:rPr lang="en-US" dirty="0" err="1"/>
-              <a:t>m</a:t>
-            </a:r>
-            <a:r>
-              <a:rPr lang="en-US" dirty="0" err="1" smtClean="0"/>
-              <a:t>antainable</a:t>
-            </a:r>
-            <a:r>
-              <a:rPr lang="en-US" dirty="0" smtClean="0"/>
-              <a:t> code</a:t>
+              <a:t>Adventures on maintainable code</a:t>
             </a:r>
             <a:endParaRPr lang="en-US" dirty="0"/>
           </a:p>

--- a/SOLID.pptx
+++ b/SOLID.pptx
@@ -634,11 +634,7 @@
           <a:p>
             <a:r>
               <a:rPr lang="en-US" baseline="0" dirty="0" smtClean="0"/>
-              <a:t>VB 6 7000 lines of code in a single method (And around 6000, VB6 forced you to break into two separate methods). I blamed the tooling when I should have </a:t>
-            </a:r>
-            <a:r>
-              <a:rPr lang="en-US" baseline="0" smtClean="0"/>
-              <a:t>blamed myself.</a:t>
+              <a:t>VB 6 7000 lines of code in a single method (And around 6000, VB6 forced you to break into two separate methods). I blamed the tooling when I should have blamed myself.</a:t>
             </a:r>
             <a:endParaRPr lang="en-US" dirty="0"/>
           </a:p>
@@ -728,6 +724,44 @@
               <a:rPr lang="en-US" dirty="0" smtClean="0"/>
               <a:t>Closed for modifications, but open for extension.</a:t>
             </a:r>
+          </a:p>
+          <a:p>
+            <a:endParaRPr lang="en-US" dirty="0" smtClean="0"/>
+          </a:p>
+          <a:p>
+            <a:r>
+              <a:rPr lang="en-US" dirty="0" smtClean="0"/>
+              <a:t>(Bertrand) Meyer’s (standard</a:t>
+            </a:r>
+            <a:r>
+              <a:rPr lang="en-US" baseline="0" dirty="0" smtClean="0"/>
+              <a:t> inheritance from a class – you still need to replace the clients if you want the new functionality)</a:t>
+            </a:r>
+            <a:r>
+              <a:rPr lang="en-US" dirty="0" smtClean="0"/>
+              <a:t> </a:t>
+            </a:r>
+            <a:r>
+              <a:rPr lang="en-US" dirty="0" err="1" smtClean="0"/>
+              <a:t>vs</a:t>
+            </a:r>
+            <a:r>
+              <a:rPr lang="en-US" dirty="0" smtClean="0"/>
+              <a:t> Polymorphic (use of abstract classes/interfaces – you only replace the creation of the object)</a:t>
+            </a:r>
+          </a:p>
+          <a:p>
+            <a:endParaRPr lang="en-US" dirty="0" smtClean="0"/>
+          </a:p>
+          <a:p>
+            <a:r>
+              <a:rPr lang="en-US" dirty="0" smtClean="0"/>
+              <a:t>What about C# extensions? Or Python/Ruby</a:t>
+            </a:r>
+            <a:r>
+              <a:rPr lang="en-US" baseline="0" dirty="0" smtClean="0"/>
+              <a:t> dynamism?</a:t>
+            </a:r>
             <a:endParaRPr lang="en-US" dirty="0"/>
           </a:p>
         </p:txBody>
@@ -818,31 +852,11 @@
             </a:r>
             <a:r>
               <a:rPr lang="en-US" baseline="0" dirty="0" smtClean="0"/>
-              <a:t> you can use a parent you should be able to use a child. And </a:t>
-            </a:r>
-            <a:r>
-              <a:rPr lang="en-US" baseline="0" dirty="0" err="1" smtClean="0"/>
-              <a:t>viceversa</a:t>
-            </a:r>
-            <a:r>
-              <a:rPr lang="en-US" baseline="0" dirty="0" smtClean="0"/>
-              <a:t>.</a:t>
-            </a:r>
-          </a:p>
-          <a:p>
-            <a:r>
-              <a:rPr lang="en-US" baseline="0" dirty="0" smtClean="0"/>
-              <a:t>C# doesn’t allow you to break this principle, unless you use in/out to achieve full covariance/</a:t>
-            </a:r>
-            <a:r>
-              <a:rPr lang="en-US" baseline="0" dirty="0" err="1" smtClean="0"/>
-              <a:t>contravariance</a:t>
-            </a:r>
-            <a:r>
-              <a:rPr lang="en-US" baseline="0" dirty="0" smtClean="0"/>
-              <a:t> (term to learn)</a:t>
-            </a:r>
-            <a:endParaRPr lang="en-US" dirty="0"/>
+              <a:t> you can use a parent you should be able to use a child.</a:t>
+            </a:r>
+          </a:p>
+          <a:p>
+            <a:endParaRPr lang="en-US" baseline="0" dirty="0" smtClean="0"/>
           </a:p>
         </p:txBody>
       </p:sp>
